--- a/Major/Persentation/PPT1 Major Project.pptx
+++ b/Major/Persentation/PPT1 Major Project.pptx
@@ -209,7 +209,7 @@
           <a:p>
             <a:fld id="{DA9CFAE5-ADF6-4A84-8EA5-0D21F6BA36C9}" type="datetimeFigureOut">
               <a:rPr lang="en-IN" smtClean="0"/>
-              <a:t>26/09/25</a:t>
+              <a:t>04/11/25</a:t>
             </a:fld>
             <a:endParaRPr lang="en-IN"/>
           </a:p>
@@ -665,7 +665,7 @@
           <a:p>
             <a:fld id="{F3F7CE75-2696-426B-A7C6-7629D8CF2437}" type="datetime1">
               <a:rPr lang="en-IN" smtClean="0"/>
-              <a:t>26/09/25</a:t>
+              <a:t>04/11/25</a:t>
             </a:fld>
             <a:endParaRPr lang="en-IN"/>
           </a:p>
@@ -893,7 +893,7 @@
           <a:p>
             <a:fld id="{B2B228FF-BE53-47F7-B430-409A097CA437}" type="datetime1">
               <a:rPr lang="en-IN" smtClean="0"/>
-              <a:t>26/09/25</a:t>
+              <a:t>04/11/25</a:t>
             </a:fld>
             <a:endParaRPr lang="en-IN"/>
           </a:p>
@@ -1294,7 +1294,7 @@
           <a:p>
             <a:fld id="{06065DF8-C87B-4AA2-B81E-F9B41C3DE973}" type="datetime1">
               <a:rPr lang="en-IN" smtClean="0"/>
-              <a:t>26/09/25</a:t>
+              <a:t>04/11/25</a:t>
             </a:fld>
             <a:endParaRPr lang="en-IN"/>
           </a:p>
@@ -1630,7 +1630,7 @@
           <a:p>
             <a:fld id="{23031343-E99C-4C22-AAE8-C343A811CECF}" type="datetime1">
               <a:rPr lang="en-IN" smtClean="0"/>
-              <a:t>26/09/25</a:t>
+              <a:t>04/11/25</a:t>
             </a:fld>
             <a:endParaRPr lang="en-IN"/>
           </a:p>
@@ -1950,7 +1950,7 @@
           <a:p>
             <a:fld id="{C65CDC9B-DBC7-4258-BEB9-733492353AF9}" type="datetime1">
               <a:rPr lang="en-IN" smtClean="0"/>
-              <a:t>26/09/25</a:t>
+              <a:t>04/11/25</a:t>
             </a:fld>
             <a:endParaRPr lang="en-IN"/>
           </a:p>
@@ -2346,7 +2346,7 @@
           <a:p>
             <a:fld id="{6A3C6488-E703-4AFF-AB60-B11F0E50C7BC}" type="datetime1">
               <a:rPr lang="en-IN" smtClean="0"/>
-              <a:t>26/09/25</a:t>
+              <a:t>04/11/25</a:t>
             </a:fld>
             <a:endParaRPr lang="en-IN"/>
           </a:p>
@@ -2603,7 +2603,7 @@
           <a:p>
             <a:fld id="{BCF63479-18BA-4E37-9716-A08D210E9EC7}" type="datetime1">
               <a:rPr lang="en-IN" smtClean="0"/>
-              <a:t>26/09/25</a:t>
+              <a:t>04/11/25</a:t>
             </a:fld>
             <a:endParaRPr lang="en-IN"/>
           </a:p>
@@ -2865,7 +2865,7 @@
           <a:p>
             <a:fld id="{246F7E75-1528-41FC-88CA-CFEB217670A5}" type="datetime1">
               <a:rPr lang="en-IN" smtClean="0"/>
-              <a:t>26/09/25</a:t>
+              <a:t>04/11/25</a:t>
             </a:fld>
             <a:endParaRPr lang="en-IN"/>
           </a:p>
@@ -3168,7 +3168,7 @@
           <a:p>
             <a:fld id="{8B28F0E0-2234-4197-A558-6EA21AC7A0A0}" type="datetime1">
               <a:rPr lang="en-IN" smtClean="0"/>
-              <a:t>26/09/25</a:t>
+              <a:t>04/11/25</a:t>
             </a:fld>
             <a:endParaRPr lang="en-IN"/>
           </a:p>
@@ -3583,7 +3583,7 @@
           <a:p>
             <a:fld id="{1C133316-F1D2-4CFB-B3A8-36FF84D60DC1}" type="datetime1">
               <a:rPr lang="en-IN" smtClean="0"/>
-              <a:t>26/09/25</a:t>
+              <a:t>04/11/25</a:t>
             </a:fld>
             <a:endParaRPr lang="en-IN"/>
           </a:p>
@@ -3906,7 +3906,7 @@
           <a:p>
             <a:fld id="{25EDD2DD-462B-4CBA-AA0A-8301F8EE9842}" type="datetime1">
               <a:rPr lang="en-IN" smtClean="0"/>
-              <a:t>26/09/25</a:t>
+              <a:t>04/11/25</a:t>
             </a:fld>
             <a:endParaRPr lang="en-IN"/>
           </a:p>
@@ -4363,7 +4363,7 @@
           <a:p>
             <a:fld id="{296F0FB0-DEC5-44F8-B224-7DEA76B58BCE}" type="datetime1">
               <a:rPr lang="en-IN" smtClean="0"/>
-              <a:t>26/09/25</a:t>
+              <a:t>04/11/25</a:t>
             </a:fld>
             <a:endParaRPr lang="en-IN"/>
           </a:p>
@@ -4568,7 +4568,7 @@
           <a:p>
             <a:fld id="{7D2151C4-12AA-486A-8A73-FD7CDFC9A495}" type="datetime1">
               <a:rPr lang="en-IN" smtClean="0"/>
-              <a:t>26/09/25</a:t>
+              <a:t>04/11/25</a:t>
             </a:fld>
             <a:endParaRPr lang="en-IN"/>
           </a:p>
@@ -4745,7 +4745,7 @@
           <a:p>
             <a:fld id="{2364A1EF-1C77-4320-9664-16BFC03E4F4D}" type="datetime1">
               <a:rPr lang="en-IN" smtClean="0"/>
-              <a:t>26/09/25</a:t>
+              <a:t>04/11/25</a:t>
             </a:fld>
             <a:endParaRPr lang="en-IN"/>
           </a:p>
@@ -5078,7 +5078,7 @@
           <a:p>
             <a:fld id="{7F01BE58-E9FD-47D2-91AC-7CE0251A25B2}" type="datetime1">
               <a:rPr lang="en-IN" smtClean="0"/>
-              <a:t>26/09/25</a:t>
+              <a:t>04/11/25</a:t>
             </a:fld>
             <a:endParaRPr lang="en-IN"/>
           </a:p>
@@ -5423,7 +5423,7 @@
           <a:p>
             <a:fld id="{F6071803-78DB-4882-8A70-E311DA0EF9FC}" type="datetime1">
               <a:rPr lang="en-IN" smtClean="0"/>
-              <a:t>26/09/25</a:t>
+              <a:t>04/11/25</a:t>
             </a:fld>
             <a:endParaRPr lang="en-IN"/>
           </a:p>
@@ -5667,6 +5667,13 @@
               <a:noFill/>
             </a:ln>
           </p:spPr>
+          <p:txBody>
+            <a:bodyPr/>
+            <a:lstStyle/>
+            <a:p>
+              <a:endParaRPr lang="en-US"/>
+            </a:p>
+          </p:txBody>
         </p:sp>
         <p:sp>
           <p:nvSpPr>
@@ -5733,6 +5740,13 @@
               <a:noFill/>
             </a:ln>
           </p:spPr>
+          <p:txBody>
+            <a:bodyPr/>
+            <a:lstStyle/>
+            <a:p>
+              <a:endParaRPr lang="en-US"/>
+            </a:p>
+          </p:txBody>
         </p:sp>
         <p:sp>
           <p:nvSpPr>
@@ -5804,6 +5818,13 @@
               <a:noFill/>
             </a:ln>
           </p:spPr>
+          <p:txBody>
+            <a:bodyPr/>
+            <a:lstStyle/>
+            <a:p>
+              <a:endParaRPr lang="en-US"/>
+            </a:p>
+          </p:txBody>
         </p:sp>
         <p:sp>
           <p:nvSpPr>
@@ -5855,6 +5876,13 @@
               <a:noFill/>
             </a:ln>
           </p:spPr>
+          <p:txBody>
+            <a:bodyPr/>
+            <a:lstStyle/>
+            <a:p>
+              <a:endParaRPr lang="en-US"/>
+            </a:p>
+          </p:txBody>
         </p:sp>
         <p:sp>
           <p:nvSpPr>
@@ -5941,6 +5969,13 @@
               <a:noFill/>
             </a:ln>
           </p:spPr>
+          <p:txBody>
+            <a:bodyPr/>
+            <a:lstStyle/>
+            <a:p>
+              <a:endParaRPr lang="en-US"/>
+            </a:p>
+          </p:txBody>
         </p:sp>
         <p:sp>
           <p:nvSpPr>
@@ -6022,6 +6057,13 @@
               <a:noFill/>
             </a:ln>
           </p:spPr>
+          <p:txBody>
+            <a:bodyPr/>
+            <a:lstStyle/>
+            <a:p>
+              <a:endParaRPr lang="en-US"/>
+            </a:p>
+          </p:txBody>
         </p:sp>
         <p:sp>
           <p:nvSpPr>
@@ -6083,6 +6125,13 @@
               <a:noFill/>
             </a:ln>
           </p:spPr>
+          <p:txBody>
+            <a:bodyPr/>
+            <a:lstStyle/>
+            <a:p>
+              <a:endParaRPr lang="en-US"/>
+            </a:p>
+          </p:txBody>
         </p:sp>
         <p:sp>
           <p:nvSpPr>
@@ -6164,6 +6213,13 @@
               <a:noFill/>
             </a:ln>
           </p:spPr>
+          <p:txBody>
+            <a:bodyPr/>
+            <a:lstStyle/>
+            <a:p>
+              <a:endParaRPr lang="en-US"/>
+            </a:p>
+          </p:txBody>
         </p:sp>
         <p:sp>
           <p:nvSpPr>
@@ -6280,6 +6336,13 @@
               <a:noFill/>
             </a:ln>
           </p:spPr>
+          <p:txBody>
+            <a:bodyPr/>
+            <a:lstStyle/>
+            <a:p>
+              <a:endParaRPr lang="en-US"/>
+            </a:p>
+          </p:txBody>
         </p:sp>
         <p:sp>
           <p:nvSpPr>
@@ -6331,6 +6394,13 @@
               <a:noFill/>
             </a:ln>
           </p:spPr>
+          <p:txBody>
+            <a:bodyPr/>
+            <a:lstStyle/>
+            <a:p>
+              <a:endParaRPr lang="en-US"/>
+            </a:p>
+          </p:txBody>
         </p:sp>
         <p:sp>
           <p:nvSpPr>
@@ -6392,6 +6462,13 @@
               <a:noFill/>
             </a:ln>
           </p:spPr>
+          <p:txBody>
+            <a:bodyPr/>
+            <a:lstStyle/>
+            <a:p>
+              <a:endParaRPr lang="en-US"/>
+            </a:p>
+          </p:txBody>
         </p:sp>
         <p:sp>
           <p:nvSpPr>
@@ -6463,6 +6540,13 @@
               <a:noFill/>
             </a:ln>
           </p:spPr>
+          <p:txBody>
+            <a:bodyPr/>
+            <a:lstStyle/>
+            <a:p>
+              <a:endParaRPr lang="en-US"/>
+            </a:p>
+          </p:txBody>
         </p:sp>
       </p:grpSp>
       <p:grpSp>
@@ -6582,6 +6666,13 @@
               <a:noFill/>
             </a:ln>
           </p:spPr>
+          <p:txBody>
+            <a:bodyPr/>
+            <a:lstStyle/>
+            <a:p>
+              <a:endParaRPr lang="en-US"/>
+            </a:p>
+          </p:txBody>
         </p:sp>
         <p:sp>
           <p:nvSpPr>
@@ -6651,6 +6742,13 @@
               <a:noFill/>
             </a:ln>
           </p:spPr>
+          <p:txBody>
+            <a:bodyPr/>
+            <a:lstStyle/>
+            <a:p>
+              <a:endParaRPr lang="en-US"/>
+            </a:p>
+          </p:txBody>
         </p:sp>
         <p:sp>
           <p:nvSpPr>
@@ -6720,6 +6818,13 @@
               <a:noFill/>
             </a:ln>
           </p:spPr>
+          <p:txBody>
+            <a:bodyPr/>
+            <a:lstStyle/>
+            <a:p>
+              <a:endParaRPr lang="en-US"/>
+            </a:p>
+          </p:txBody>
         </p:sp>
         <p:sp>
           <p:nvSpPr>
@@ -6804,6 +6909,13 @@
               <a:noFill/>
             </a:ln>
           </p:spPr>
+          <p:txBody>
+            <a:bodyPr/>
+            <a:lstStyle/>
+            <a:p>
+              <a:endParaRPr lang="en-US"/>
+            </a:p>
+          </p:txBody>
         </p:sp>
         <p:sp>
           <p:nvSpPr>
@@ -6898,6 +7010,13 @@
               <a:noFill/>
             </a:ln>
           </p:spPr>
+          <p:txBody>
+            <a:bodyPr/>
+            <a:lstStyle/>
+            <a:p>
+              <a:endParaRPr lang="en-US"/>
+            </a:p>
+          </p:txBody>
         </p:sp>
         <p:sp>
           <p:nvSpPr>
@@ -6947,6 +7066,13 @@
               <a:noFill/>
             </a:ln>
           </p:spPr>
+          <p:txBody>
+            <a:bodyPr/>
+            <a:lstStyle/>
+            <a:p>
+              <a:endParaRPr lang="en-US"/>
+            </a:p>
+          </p:txBody>
         </p:sp>
         <p:sp>
           <p:nvSpPr>
@@ -7011,6 +7137,13 @@
               <a:noFill/>
             </a:ln>
           </p:spPr>
+          <p:txBody>
+            <a:bodyPr/>
+            <a:lstStyle/>
+            <a:p>
+              <a:endParaRPr lang="en-US"/>
+            </a:p>
+          </p:txBody>
         </p:sp>
         <p:sp>
           <p:nvSpPr>
@@ -7120,6 +7253,13 @@
               <a:noFill/>
             </a:ln>
           </p:spPr>
+          <p:txBody>
+            <a:bodyPr/>
+            <a:lstStyle/>
+            <a:p>
+              <a:endParaRPr lang="en-US"/>
+            </a:p>
+          </p:txBody>
         </p:sp>
         <p:sp>
           <p:nvSpPr>
@@ -7169,6 +7309,13 @@
               <a:noFill/>
             </a:ln>
           </p:spPr>
+          <p:txBody>
+            <a:bodyPr/>
+            <a:lstStyle/>
+            <a:p>
+              <a:endParaRPr lang="en-US"/>
+            </a:p>
+          </p:txBody>
         </p:sp>
         <p:sp>
           <p:nvSpPr>
@@ -7238,6 +7385,13 @@
               <a:noFill/>
             </a:ln>
           </p:spPr>
+          <p:txBody>
+            <a:bodyPr/>
+            <a:lstStyle/>
+            <a:p>
+              <a:endParaRPr lang="en-US"/>
+            </a:p>
+          </p:txBody>
         </p:sp>
         <p:sp>
           <p:nvSpPr>
@@ -7302,6 +7456,13 @@
               <a:noFill/>
             </a:ln>
           </p:spPr>
+          <p:txBody>
+            <a:bodyPr/>
+            <a:lstStyle/>
+            <a:p>
+              <a:endParaRPr lang="en-US"/>
+            </a:p>
+          </p:txBody>
         </p:sp>
         <p:sp>
           <p:nvSpPr>
@@ -7371,6 +7532,13 @@
               <a:noFill/>
             </a:ln>
           </p:spPr>
+          <p:txBody>
+            <a:bodyPr/>
+            <a:lstStyle/>
+            <a:p>
+              <a:endParaRPr lang="en-US"/>
+            </a:p>
+          </p:txBody>
         </p:sp>
       </p:grpSp>
       <p:sp>
@@ -7409,6 +7577,13 @@
             <a:schemeClr val="lt1"/>
           </a:fontRef>
         </p:style>
+        <p:txBody>
+          <a:bodyPr/>
+          <a:lstStyle/>
+          <a:p>
+            <a:endParaRPr lang="en-US"/>
+          </a:p>
+        </p:txBody>
       </p:sp>
       <p:sp>
         <p:nvSpPr>
@@ -7540,7 +7715,7 @@
           <a:p>
             <a:fld id="{CF858841-AB6D-42AC-A9E1-E0D97A1068DD}" type="datetime1">
               <a:rPr lang="en-IN" smtClean="0"/>
-              <a:t>26/09/25</a:t>
+              <a:t>04/11/25</a:t>
             </a:fld>
             <a:endParaRPr lang="en-IN"/>
           </a:p>
@@ -8157,7 +8332,7 @@
                 <a:latin typeface="Times New Roman" panose="02020603050405020304" pitchFamily="18" charset="0"/>
                 <a:cs typeface="Times New Roman" panose="02020603050405020304" pitchFamily="18" charset="0"/>
               </a:rPr>
-              <a:t>Lost &amp; Found Person</a:t>
+              <a:t>Missing Person &amp; Lost Item  Tracker</a:t>
             </a:r>
             <a:br>
               <a:rPr lang="en-US" sz="1800" b="1" kern="100" dirty="0">
@@ -8284,27 +8459,7 @@
                 <a:latin typeface="Times New Roman" panose="02020603050405020304" pitchFamily="18" charset="0"/>
                 <a:cs typeface="Times New Roman" panose="02020603050405020304" pitchFamily="18" charset="0"/>
               </a:rPr>
-              <a:t>													 		 </a:t>
-            </a:r>
-            <a:r>
-              <a:rPr lang="en-IN">
-                <a:solidFill>
-                  <a:schemeClr val="tx1"/>
-                </a:solidFill>
-                <a:latin typeface="Times New Roman" panose="02020603050405020304" pitchFamily="18" charset="0"/>
-                <a:cs typeface="Times New Roman" panose="02020603050405020304" pitchFamily="18" charset="0"/>
-              </a:rPr>
-              <a:t>Khushi Agrawal</a:t>
-            </a:r>
-            <a:r>
-              <a:rPr lang="en-IN" dirty="0">
-                <a:solidFill>
-                  <a:schemeClr val="tx1"/>
-                </a:solidFill>
-                <a:latin typeface="Times New Roman" panose="02020603050405020304" pitchFamily="18" charset="0"/>
-                <a:cs typeface="Times New Roman" panose="02020603050405020304" pitchFamily="18" charset="0"/>
-              </a:rPr>
-              <a:t>	</a:t>
+              <a:t>													 		 Khushi Agrawal	</a:t>
             </a:r>
           </a:p>
           <a:p>
